--- a/pdf_ppt/2.OpenCV/Open_cv_07_영상분할.pptx
+++ b/pdf_ppt/2.OpenCV/Open_cv_07_영상분할.pptx
@@ -3216,7 +3216,7 @@
             </a:r>
             <a:r>
               <a:rPr lang="en-US" altLang="ko-KR" dirty="0" err="1" smtClean="0"/>
-              <a:t>flooFill</a:t>
+              <a:t>floorFill</a:t>
             </a:r>
             <a:r>
               <a:rPr lang="en-US" altLang="ko-KR" dirty="0" smtClean="0"/>
@@ -4426,7 +4426,7 @@
         </p:blipFill>
         <p:spPr bwMode="auto">
           <a:xfrm>
-            <a:off x="4572000" y="1556792"/>
+            <a:off x="4809338" y="1441908"/>
             <a:ext cx="3895927" cy="1944350"/>
           </a:xfrm>
           <a:prstGeom prst="rect">
@@ -4901,8 +4901,8 @@
           </a:p>
         </p:txBody>
       </p:sp>
-      <mc:AlternateContent xmlns:mc="http://schemas.openxmlformats.org/markup-compatibility/2006">
-        <mc:Choice xmlns:a14="http://schemas.microsoft.com/office/drawing/2010/main" Requires="a14">
+      <mc:AlternateContent xmlns:mc="http://schemas.openxmlformats.org/markup-compatibility/2006" xmlns:a14="http://schemas.microsoft.com/office/drawing/2010/main">
+        <mc:Choice Requires="a14">
           <p:sp>
             <p:nvSpPr>
               <p:cNvPr id="3" name="내용 개체 틀 2"/>
@@ -4966,11 +4966,7 @@
                 </a:r>
                 <a:r>
                   <a:rPr lang="ko-KR" altLang="en-US" dirty="0"/>
-                  <a:t> 표현되는 영상의 에지 점들을 </a:t>
-                </a:r>
-                <a:r>
-                  <a:rPr lang="ko-KR" altLang="en-US" dirty="0"/>
-                  <a:t>극 </a:t>
+                  <a:t> 표현되는 영상의 에지 점들을 극 </a:t>
                 </a:r>
                 <a:r>
                   <a:rPr lang="ko-KR" altLang="en-US" dirty="0" err="1"/>
@@ -5030,11 +5026,7 @@
                 </a:r>
                 <a:r>
                   <a:rPr lang="ko-KR" altLang="en-US" dirty="0"/>
-                  <a:t>를 추출하는 </a:t>
-                </a:r>
-                <a:r>
-                  <a:rPr lang="ko-KR" altLang="en-US" dirty="0"/>
-                  <a:t>방법</a:t>
+                  <a:t>를 추출하는 방법</a:t>
                 </a:r>
                 <a:endParaRPr lang="en-US" altLang="ko-KR" dirty="0"/>
               </a:p>
@@ -5081,11 +5073,7 @@
                 <a:pPr lvl="2"/>
                 <a:r>
                   <a:rPr lang="ko-KR" altLang="en-US" dirty="0"/>
-                  <a:t>수직선일 경우에 기울기가 </a:t>
-                </a:r>
-                <a:r>
-                  <a:rPr lang="ko-KR" altLang="en-US" dirty="0"/>
-                  <a:t>무한대</a:t>
+                  <a:t>수직선일 경우에 기울기가 무한대</a:t>
                 </a:r>
                 <a:endParaRPr lang="en-US" altLang="ko-KR" dirty="0"/>
               </a:p>
@@ -5093,23 +5081,7 @@
                 <a:pPr lvl="2"/>
                 <a:r>
                   <a:rPr lang="ko-KR" altLang="en-US" dirty="0"/>
-                  <a:t>검출되는 </a:t>
-                </a:r>
-                <a:r>
-                  <a:rPr lang="ko-KR" altLang="en-US" dirty="0"/>
-                  <a:t>직선의 </a:t>
-                </a:r>
-                <a:r>
-                  <a:rPr lang="ko-KR" altLang="en-US" dirty="0"/>
-                  <a:t>간격이 </a:t>
-                </a:r>
-                <a:r>
-                  <a:rPr lang="ko-KR" altLang="en-US" dirty="0"/>
-                  <a:t>동일하지 않아서 검출 속도와 </a:t>
-                </a:r>
-                <a:r>
-                  <a:rPr lang="ko-KR" altLang="en-US" dirty="0"/>
-                  <a:t>정밀도에서 문제</a:t>
+                  <a:t>검출되는 직선의 간격이 동일하지 않아서 검출 속도와 정밀도에서 문제</a:t>
                 </a:r>
                 <a:endParaRPr lang="en-US" altLang="ko-KR" dirty="0"/>
               </a:p>
@@ -5119,7 +5091,7 @@
             </p:txBody>
           </p:sp>
         </mc:Choice>
-        <mc:Fallback>
+        <mc:Fallback xmlns="">
           <p:sp>
             <p:nvSpPr>
               <p:cNvPr id="3" name="내용 개체 틀 2"/>
@@ -5279,8 +5251,8 @@
           </a:p>
         </p:txBody>
       </p:sp>
-      <mc:AlternateContent xmlns:mc="http://schemas.openxmlformats.org/markup-compatibility/2006">
-        <mc:Choice xmlns:a14="http://schemas.microsoft.com/office/drawing/2010/main" Requires="a14">
+      <mc:AlternateContent xmlns:mc="http://schemas.openxmlformats.org/markup-compatibility/2006" xmlns:a14="http://schemas.microsoft.com/office/drawing/2010/main">
+        <mc:Choice Requires="a14">
           <p:sp>
             <p:nvSpPr>
               <p:cNvPr id="3" name="내용 개체 틀 2"/>
@@ -5425,15 +5397,7 @@
               <a:p>
                 <a:r>
                   <a:rPr lang="ko-KR" altLang="en-US" dirty="0"/>
-                  <a:t>직교좌표의</a:t>
-                </a:r>
-                <a:r>
-                  <a:rPr lang="ko-KR" altLang="en-US" dirty="0"/>
-                  <a:t> 한점은</a:t>
-                </a:r>
-                <a:r>
-                  <a:rPr lang="ko-KR" altLang="en-US" dirty="0"/>
-                  <a:t> </a:t>
+                  <a:t>직교좌표의 한점은 </a:t>
                 </a:r>
                 <a:r>
                   <a:rPr lang="ko-KR" altLang="en-US" dirty="0" err="1"/>
@@ -5441,11 +5405,7 @@
                 </a:r>
                 <a:r>
                   <a:rPr lang="ko-KR" altLang="en-US" dirty="0"/>
-                  <a:t> </a:t>
-                </a:r>
-                <a:r>
-                  <a:rPr lang="ko-KR" altLang="en-US" dirty="0"/>
-                  <a:t>좌표에서 곡선으로 </a:t>
+                  <a:t> 좌표에서 곡선으로 </a:t>
                 </a:r>
                 <a:r>
                   <a:rPr lang="ko-KR" altLang="en-US" dirty="0" smtClean="0"/>
@@ -5456,7 +5416,7 @@
             </p:txBody>
           </p:sp>
         </mc:Choice>
-        <mc:Fallback>
+        <mc:Fallback xmlns="">
           <p:sp>
             <p:nvSpPr>
               <p:cNvPr id="3" name="내용 개체 틀 2"/>
@@ -5904,8 +5864,8 @@
             </p:sp>
           </mc:Fallback>
         </mc:AlternateContent>
-        <mc:AlternateContent xmlns:mc="http://schemas.openxmlformats.org/markup-compatibility/2006">
-          <mc:Choice xmlns:a14="http://schemas.microsoft.com/office/drawing/2010/main" Requires="a14">
+        <mc:AlternateContent xmlns:mc="http://schemas.openxmlformats.org/markup-compatibility/2006" xmlns:a14="http://schemas.microsoft.com/office/drawing/2010/main">
+          <mc:Choice Requires="a14">
             <p:sp>
               <p:nvSpPr>
                 <p:cNvPr id="8" name="모서리가 둥근 사각형 설명선 7"/>
@@ -6196,7 +6156,7 @@
               </p:txBody>
             </p:sp>
           </mc:Choice>
-          <mc:Fallback>
+          <mc:Fallback xmlns="">
             <p:sp>
               <p:nvSpPr>
                 <p:cNvPr id="8" name="모서리가 둥근 사각형 설명선 7"/>
